--- a/training-cards/agile moves/Ideas (IDE)/ger/apprentice/ger_IDE_04_Brain_Snake_AM_A.pptx
+++ b/training-cards/agile moves/Ideas (IDE)/ger/apprentice/ger_IDE_04_Brain_Snake_AM_A.pptx
@@ -1169,26 +1169,7 @@
                 <a:cs typeface="Avenir Light"/>
                 <a:sym typeface="Calibri"/>
               </a:rPr>
-              <a:t>To view a copy of this license, visit </a:t>
-            </a:r>
-            <a:r>
-              <a:rPr sz="600" dirty="0">
-                <a:latin typeface="Avenir Light"/>
-                <a:ea typeface="Calibri"/>
-                <a:cs typeface="Avenir Light"/>
-                <a:sym typeface="Calibri"/>
-                <a:hlinkClick r:id="rId4"/>
-              </a:rPr>
-              <a:t>http://creativecommons.org/licenses/by-nc-nd/4.0/</a:t>
-            </a:r>
-            <a:r>
-              <a:rPr sz="600" dirty="0">
-                <a:latin typeface="Avenir Light"/>
-                <a:ea typeface="Calibri"/>
-                <a:cs typeface="Avenir Light"/>
-                <a:sym typeface="Calibri"/>
-              </a:rPr>
-              <a:t>.</a:t>
+              <a:t>To view a copy of this license, visit http://creativecommons.org/licenses/by-nc-nd/4.0/.</a:t>
             </a:r>
           </a:p>
         </p:txBody>
@@ -1200,7 +1181,7 @@
           <p:nvPr userDrawn="1"/>
         </p:nvPicPr>
         <p:blipFill>
-          <a:blip r:embed="rId5">
+          <a:blip r:embed="rId4">
             <a:extLst/>
           </a:blip>
           <a:stretch>
@@ -2562,26 +2543,7 @@
                 <a:cs typeface="Avenir Light"/>
                 <a:sym typeface="Calibri"/>
               </a:rPr>
-              <a:t>To view a copy of this license, visit </a:t>
-            </a:r>
-            <a:r>
-              <a:rPr sz="600" dirty="0">
-                <a:latin typeface="Avenir Light"/>
-                <a:ea typeface="Calibri"/>
-                <a:cs typeface="Avenir Light"/>
-                <a:sym typeface="Calibri"/>
-                <a:hlinkClick r:id="rId3"/>
-              </a:rPr>
-              <a:t>http://creativecommons.org/licenses/by-nc-nd/4.0/</a:t>
-            </a:r>
-            <a:r>
-              <a:rPr sz="600" dirty="0">
-                <a:latin typeface="Avenir Light"/>
-                <a:ea typeface="Calibri"/>
-                <a:cs typeface="Avenir Light"/>
-                <a:sym typeface="Calibri"/>
-              </a:rPr>
-              <a:t>.</a:t>
+              <a:t>To view a copy of this license, visit http://creativecommons.org/licenses/by-nc-nd/4.0/.</a:t>
             </a:r>
           </a:p>
         </p:txBody>
@@ -2593,7 +2555,7 @@
           <p:nvPr userDrawn="1"/>
         </p:nvPicPr>
         <p:blipFill>
-          <a:blip r:embed="rId4">
+          <a:blip r:embed="rId3">
             <a:extLst/>
           </a:blip>
           <a:stretch>
@@ -2622,7 +2584,7 @@
           <p:nvPr userDrawn="1"/>
         </p:nvPicPr>
         <p:blipFill>
-          <a:blip r:embed="rId5">
+          <a:blip r:embed="rId4">
             <a:extLst>
               <a:ext uri="{28A0092B-C50C-407E-A947-70E740481C1C}">
                 <a14:useLocalDpi xmlns:a14="http://schemas.microsoft.com/office/drawing/2010/main" val="0"/>

--- a/training-cards/agile moves/Ideas (IDE)/ger/apprentice/ger_IDE_04_Brain_Snake_AM_A.pptx
+++ b/training-cards/agile moves/Ideas (IDE)/ger/apprentice/ger_IDE_04_Brain_Snake_AM_A.pptx
@@ -308,6 +308,10 @@
           </p:nvPr>
         </p:nvSpPr>
         <p:spPr>
+          <a:xfrm>
+            <a:off x="1166812" y="889141"/>
+            <a:ext cx="5533296" cy="419697"/>
+          </a:xfrm>
           <a:prstGeom prst="rect">
             <a:avLst/>
           </a:prstGeom>
@@ -357,6 +361,10 @@
           </p:nvPr>
         </p:nvSpPr>
         <p:spPr>
+          <a:xfrm>
+            <a:off x="1166812" y="1188878"/>
+            <a:ext cx="5293998" cy="420302"/>
+          </a:xfrm>
           <a:prstGeom prst="rect">
             <a:avLst/>
           </a:prstGeom>
@@ -3768,7 +3776,12 @@
             <p:ph type="body" sz="quarter" idx="15"/>
           </p:nvPr>
         </p:nvSpPr>
-        <p:spPr/>
+        <p:spPr>
+          <a:xfrm>
+            <a:off x="858838" y="1691448"/>
+            <a:ext cx="6265862" cy="3502025"/>
+          </a:xfrm>
+        </p:spPr>
         <p:txBody>
           <a:bodyPr/>
           <a:lstStyle/>
